--- a/presentation/report.pptx
+++ b/presentation/report.pptx
@@ -14,14 +14,14 @@
     <p:sldId id="275" r:id="rId5"/>
     <p:sldId id="326" r:id="rId6"/>
     <p:sldId id="325" r:id="rId7"/>
-    <p:sldId id="341" r:id="rId8"/>
-    <p:sldId id="314" r:id="rId9"/>
-    <p:sldId id="328" r:id="rId10"/>
-    <p:sldId id="335" r:id="rId11"/>
+    <p:sldId id="344" r:id="rId8"/>
+    <p:sldId id="341" r:id="rId9"/>
+    <p:sldId id="345" r:id="rId10"/>
+    <p:sldId id="337" r:id="rId11"/>
     <p:sldId id="340" r:id="rId12"/>
-    <p:sldId id="339" r:id="rId13"/>
-    <p:sldId id="337" r:id="rId14"/>
-    <p:sldId id="336" r:id="rId15"/>
+    <p:sldId id="336" r:id="rId13"/>
+    <p:sldId id="335" r:id="rId14"/>
+    <p:sldId id="328" r:id="rId15"/>
   </p:sldIdLst>
   <p:sldSz cx="9144000" cy="5143500" type="screen16x9"/>
   <p:notesSz cx="6858000" cy="9144000"/>
@@ -4554,13 +4554,7 @@
   <p:cSld>
     <p:spTree>
       <p:nvGrpSpPr>
-        <p:cNvPr id="1" name="">
-          <a:extLst>
-            <a:ext uri="{FF2B5EF4-FFF2-40B4-BE49-F238E27FC236}">
-              <a16:creationId xmlns:a16="http://schemas.microsoft.com/office/drawing/2014/main" id="{E48D3568-FDF2-A8F4-BA3A-22F146D0B56E}"/>
-            </a:ext>
-          </a:extLst>
-        </p:cNvPr>
+        <p:cNvPr id="1" name=""/>
         <p:cNvGrpSpPr/>
         <p:nvPr/>
       </p:nvGrpSpPr>
@@ -4577,7 +4571,7 @@
           <p:cNvPr id="2" name="Title 1">
             <a:extLst>
               <a:ext uri="{FF2B5EF4-FFF2-40B4-BE49-F238E27FC236}">
-                <a16:creationId xmlns:a16="http://schemas.microsoft.com/office/drawing/2014/main" id="{CFA62215-AD6C-E1C9-AC36-0D52523E8517}"/>
+                <a16:creationId xmlns:a16="http://schemas.microsoft.com/office/drawing/2014/main" id="{4D27F57B-813B-AD08-213E-F61F5B9A6512}"/>
               </a:ext>
             </a:extLst>
           </p:cNvPr>
@@ -4599,10 +4593,10 @@
       </p:sp>
       <p:pic>
         <p:nvPicPr>
-          <p:cNvPr id="5" name="Picture 4" descr="A diagram of a computer&#10;&#10;Description automatically generated">
-            <a:extLst>
-              <a:ext uri="{FF2B5EF4-FFF2-40B4-BE49-F238E27FC236}">
-                <a16:creationId xmlns:a16="http://schemas.microsoft.com/office/drawing/2014/main" id="{6F317BD7-9D47-2D1C-D2F0-6EF6FE4C0486}"/>
+          <p:cNvPr id="9" name="Picture 8">
+            <a:extLst>
+              <a:ext uri="{FF2B5EF4-FFF2-40B4-BE49-F238E27FC236}">
+                <a16:creationId xmlns:a16="http://schemas.microsoft.com/office/drawing/2014/main" id="{3FA03ABD-48A3-45B1-2D11-0B7578869045}"/>
               </a:ext>
             </a:extLst>
           </p:cNvPr>
@@ -4619,8 +4613,8 @@
         </p:blipFill>
         <p:spPr>
           <a:xfrm>
-            <a:off x="613179" y="134752"/>
-            <a:ext cx="7917641" cy="4873995"/>
+            <a:off x="0" y="9249"/>
+            <a:ext cx="9144000" cy="5125002"/>
           </a:xfrm>
           <a:prstGeom prst="rect">
             <a:avLst/>
@@ -4630,7 +4624,7 @@
     </p:spTree>
     <p:extLst>
       <p:ext uri="{BB962C8B-B14F-4D97-AF65-F5344CB8AC3E}">
-        <p14:creationId xmlns:p14="http://schemas.microsoft.com/office/powerpoint/2010/main" val="156783487"/>
+        <p14:creationId xmlns:p14="http://schemas.microsoft.com/office/powerpoint/2010/main" val="3331480680"/>
       </p:ext>
     </p:extLst>
   </p:cSld>
@@ -4648,7 +4642,7 @@
         <p:cNvPr id="1" name="">
           <a:extLst>
             <a:ext uri="{FF2B5EF4-FFF2-40B4-BE49-F238E27FC236}">
-              <a16:creationId xmlns:a16="http://schemas.microsoft.com/office/drawing/2014/main" id="{11AF12DA-EC48-9317-4BDB-C958E314E5E3}"/>
+              <a16:creationId xmlns:a16="http://schemas.microsoft.com/office/drawing/2014/main" id="{7B8A766E-2AE5-1F97-3873-2171383E9239}"/>
             </a:ext>
           </a:extLst>
         </p:cNvPr>
@@ -4668,7 +4662,7 @@
           <p:cNvPr id="2" name="Title 1">
             <a:extLst>
               <a:ext uri="{FF2B5EF4-FFF2-40B4-BE49-F238E27FC236}">
-                <a16:creationId xmlns:a16="http://schemas.microsoft.com/office/drawing/2014/main" id="{098A5E99-D6C3-2CEA-684D-81B5E8EC7955}"/>
+                <a16:creationId xmlns:a16="http://schemas.microsoft.com/office/drawing/2014/main" id="{6662C2B4-3C44-A30E-A744-3C994F24975D}"/>
               </a:ext>
             </a:extLst>
           </p:cNvPr>
@@ -4679,49 +4673,29 @@
             <p:ph type="title"/>
           </p:nvPr>
         </p:nvSpPr>
-        <p:spPr/>
-        <p:txBody>
-          <a:bodyPr/>
-          <a:lstStyle/>
-          <a:p>
-            <a:endParaRPr lang="en-US"/>
-          </a:p>
-        </p:txBody>
-      </p:sp>
-      <p:pic>
-        <p:nvPicPr>
-          <p:cNvPr id="4" name="Picture 3" descr="A close-up of a white sheet&#10;&#10;Description automatically generated">
-            <a:extLst>
-              <a:ext uri="{FF2B5EF4-FFF2-40B4-BE49-F238E27FC236}">
-                <a16:creationId xmlns:a16="http://schemas.microsoft.com/office/drawing/2014/main" id="{117B996F-E224-31FA-600D-14321176E934}"/>
-              </a:ext>
-            </a:extLst>
-          </p:cNvPr>
-          <p:cNvPicPr>
-            <a:picLocks noChangeAspect="1"/>
-          </p:cNvPicPr>
-          <p:nvPr/>
-        </p:nvPicPr>
-        <p:blipFill>
-          <a:blip r:embed="rId2"/>
-          <a:stretch>
-            <a:fillRect/>
-          </a:stretch>
-        </p:blipFill>
         <p:spPr>
           <a:xfrm>
-            <a:off x="484495" y="203791"/>
-            <a:ext cx="8175009" cy="4735917"/>
+            <a:off x="457200" y="2143125"/>
+            <a:ext cx="8229600" cy="857250"/>
           </a:xfrm>
-          <a:prstGeom prst="rect">
-            <a:avLst/>
-          </a:prstGeom>
         </p:spPr>
-      </p:pic>
+        <p:txBody>
+          <a:bodyPr>
+            <a:normAutofit/>
+          </a:bodyPr>
+          <a:lstStyle/>
+          <a:p>
+            <a:r>
+              <a:rPr lang="en-US" sz="4000" dirty="0"/>
+              <a:t>Questions?</a:t>
+            </a:r>
+          </a:p>
+        </p:txBody>
+      </p:sp>
     </p:spTree>
     <p:extLst>
       <p:ext uri="{BB962C8B-B14F-4D97-AF65-F5344CB8AC3E}">
-        <p14:creationId xmlns:p14="http://schemas.microsoft.com/office/powerpoint/2010/main" val="1582252117"/>
+        <p14:creationId xmlns:p14="http://schemas.microsoft.com/office/powerpoint/2010/main" val="4190756243"/>
       </p:ext>
     </p:extLst>
   </p:cSld>
@@ -5046,6 +5020,332 @@
         <p:cNvPr id="1" name="">
           <a:extLst>
             <a:ext uri="{FF2B5EF4-FFF2-40B4-BE49-F238E27FC236}">
+              <a16:creationId xmlns:a16="http://schemas.microsoft.com/office/drawing/2014/main" id="{BAAD2DC3-9F68-193D-31E9-5E49AA2CA26C}"/>
+            </a:ext>
+          </a:extLst>
+        </p:cNvPr>
+        <p:cNvGrpSpPr/>
+        <p:nvPr/>
+      </p:nvGrpSpPr>
+      <p:grpSpPr>
+        <a:xfrm>
+          <a:off x="0" y="0"/>
+          <a:ext cx="0" cy="0"/>
+          <a:chOff x="0" y="0"/>
+          <a:chExt cx="0" cy="0"/>
+        </a:xfrm>
+      </p:grpSpPr>
+      <p:sp>
+        <p:nvSpPr>
+          <p:cNvPr id="2" name="Title 1">
+            <a:extLst>
+              <a:ext uri="{FF2B5EF4-FFF2-40B4-BE49-F238E27FC236}">
+                <a16:creationId xmlns:a16="http://schemas.microsoft.com/office/drawing/2014/main" id="{399F9F76-94E5-2665-5357-E0CED19C6ED2}"/>
+              </a:ext>
+            </a:extLst>
+          </p:cNvPr>
+          <p:cNvSpPr>
+            <a:spLocks noGrp="1"/>
+          </p:cNvSpPr>
+          <p:nvPr>
+            <p:ph type="title"/>
+          </p:nvPr>
+        </p:nvSpPr>
+        <p:spPr/>
+        <p:txBody>
+          <a:bodyPr/>
+          <a:lstStyle/>
+          <a:p>
+            <a:r>
+              <a:rPr lang="en-US" dirty="0"/>
+              <a:t>System Design and Architecture</a:t>
+            </a:r>
+          </a:p>
+        </p:txBody>
+      </p:sp>
+      <p:sp>
+        <p:nvSpPr>
+          <p:cNvPr id="3" name="Content Placeholder 2">
+            <a:extLst>
+              <a:ext uri="{FF2B5EF4-FFF2-40B4-BE49-F238E27FC236}">
+                <a16:creationId xmlns:a16="http://schemas.microsoft.com/office/drawing/2014/main" id="{A48A576C-314B-0897-0DCC-1F6EFB76D1CE}"/>
+              </a:ext>
+            </a:extLst>
+          </p:cNvPr>
+          <p:cNvSpPr>
+            <a:spLocks noGrp="1"/>
+          </p:cNvSpPr>
+          <p:nvPr>
+            <p:ph sz="quarter" idx="10"/>
+          </p:nvPr>
+        </p:nvSpPr>
+        <p:spPr/>
+        <p:txBody>
+          <a:bodyPr/>
+          <a:lstStyle/>
+          <a:p>
+            <a:endParaRPr lang="en-US" dirty="0"/>
+          </a:p>
+        </p:txBody>
+      </p:sp>
+      <p:sp>
+        <p:nvSpPr>
+          <p:cNvPr id="5" name="Content Placeholder 4">
+            <a:extLst>
+              <a:ext uri="{FF2B5EF4-FFF2-40B4-BE49-F238E27FC236}">
+                <a16:creationId xmlns:a16="http://schemas.microsoft.com/office/drawing/2014/main" id="{6DACE390-7BD9-58B5-82F7-212695156AEC}"/>
+              </a:ext>
+            </a:extLst>
+          </p:cNvPr>
+          <p:cNvSpPr>
+            <a:spLocks noGrp="1"/>
+          </p:cNvSpPr>
+          <p:nvPr>
+            <p:ph sz="half" idx="1"/>
+          </p:nvPr>
+        </p:nvSpPr>
+        <p:spPr/>
+        <p:txBody>
+          <a:bodyPr>
+            <a:normAutofit/>
+          </a:bodyPr>
+          <a:lstStyle/>
+          <a:p>
+            <a:pPr marL="342900" marR="0" lvl="0" indent="-342900">
+              <a:lnSpc>
+                <a:spcPct val="107000"/>
+              </a:lnSpc>
+              <a:buFont typeface="Symbol" panose="05050102010706020507" pitchFamily="18" charset="2"/>
+              <a:buChar char=""/>
+            </a:pPr>
+            <a:r>
+              <a:rPr lang="en-US" sz="1400" kern="100" dirty="0">
+                <a:effectLst/>
+                <a:latin typeface="Calibri" panose="020F0502020204030204" pitchFamily="34" charset="0"/>
+                <a:ea typeface="Aptos" panose="020B0004020202020204" pitchFamily="34" charset="0"/>
+                <a:cs typeface="Times New Roman" panose="02020603050405020304" pitchFamily="18" charset="0"/>
+              </a:rPr>
+              <a:t>System Functionality</a:t>
+            </a:r>
+            <a:endParaRPr lang="en-US" sz="1400" kern="100" dirty="0">
+              <a:effectLst/>
+              <a:latin typeface="Aptos" panose="020B0004020202020204" pitchFamily="34" charset="0"/>
+              <a:ea typeface="Aptos" panose="020B0004020202020204" pitchFamily="34" charset="0"/>
+              <a:cs typeface="Times New Roman" panose="02020603050405020304" pitchFamily="18" charset="0"/>
+            </a:endParaRPr>
+          </a:p>
+          <a:p>
+            <a:pPr marL="742950" marR="0" lvl="1" indent="-285750">
+              <a:lnSpc>
+                <a:spcPct val="107000"/>
+              </a:lnSpc>
+              <a:buFont typeface="Courier New" panose="02070309020205020404" pitchFamily="49" charset="0"/>
+              <a:buChar char="o"/>
+            </a:pPr>
+            <a:r>
+              <a:rPr lang="en-US" sz="1400" kern="100" dirty="0">
+                <a:effectLst/>
+                <a:latin typeface="Calibri" panose="020F0502020204030204" pitchFamily="34" charset="0"/>
+                <a:ea typeface="Aptos" panose="020B0004020202020204" pitchFamily="34" charset="0"/>
+                <a:cs typeface="Times New Roman" panose="02020603050405020304" pitchFamily="18" charset="0"/>
+              </a:rPr>
+              <a:t>Measure the coffee’s temperature using an </a:t>
+            </a:r>
+            <a:r>
+              <a:rPr lang="en-US" sz="1400" kern="100" dirty="0" err="1">
+                <a:effectLst/>
+                <a:latin typeface="Calibri" panose="020F0502020204030204" pitchFamily="34" charset="0"/>
+                <a:ea typeface="Aptos" panose="020B0004020202020204" pitchFamily="34" charset="0"/>
+                <a:cs typeface="Times New Roman" panose="02020603050405020304" pitchFamily="18" charset="0"/>
+              </a:rPr>
+              <a:t>infared</a:t>
+            </a:r>
+            <a:r>
+              <a:rPr lang="en-US" sz="1400" kern="100" dirty="0">
+                <a:effectLst/>
+                <a:latin typeface="Calibri" panose="020F0502020204030204" pitchFamily="34" charset="0"/>
+                <a:ea typeface="Aptos" panose="020B0004020202020204" pitchFamily="34" charset="0"/>
+                <a:cs typeface="Times New Roman" panose="02020603050405020304" pitchFamily="18" charset="0"/>
+              </a:rPr>
+              <a:t> thermometer.</a:t>
+            </a:r>
+            <a:endParaRPr lang="en-US" sz="1400" kern="100" dirty="0">
+              <a:effectLst/>
+              <a:latin typeface="Aptos" panose="020B0004020202020204" pitchFamily="34" charset="0"/>
+              <a:ea typeface="Aptos" panose="020B0004020202020204" pitchFamily="34" charset="0"/>
+              <a:cs typeface="Times New Roman" panose="02020603050405020304" pitchFamily="18" charset="0"/>
+            </a:endParaRPr>
+          </a:p>
+          <a:p>
+            <a:pPr marL="742950" marR="0" lvl="1" indent="-285750">
+              <a:lnSpc>
+                <a:spcPct val="107000"/>
+              </a:lnSpc>
+              <a:buFont typeface="Courier New" panose="02070309020205020404" pitchFamily="49" charset="0"/>
+              <a:buChar char="o"/>
+            </a:pPr>
+            <a:r>
+              <a:rPr lang="en-US" sz="1400" kern="100" dirty="0">
+                <a:effectLst/>
+                <a:latin typeface="Calibri" panose="020F0502020204030204" pitchFamily="34" charset="0"/>
+                <a:ea typeface="Aptos" panose="020B0004020202020204" pitchFamily="34" charset="0"/>
+                <a:cs typeface="Times New Roman" panose="02020603050405020304" pitchFamily="18" charset="0"/>
+              </a:rPr>
+              <a:t>Display the temperature of the coffee with an LCD display.</a:t>
+            </a:r>
+            <a:endParaRPr lang="en-US" sz="1400" kern="100" dirty="0">
+              <a:effectLst/>
+              <a:latin typeface="Aptos" panose="020B0004020202020204" pitchFamily="34" charset="0"/>
+              <a:ea typeface="Aptos" panose="020B0004020202020204" pitchFamily="34" charset="0"/>
+              <a:cs typeface="Times New Roman" panose="02020603050405020304" pitchFamily="18" charset="0"/>
+            </a:endParaRPr>
+          </a:p>
+          <a:p>
+            <a:pPr marL="742950" marR="0" lvl="1" indent="-285750">
+              <a:lnSpc>
+                <a:spcPct val="107000"/>
+              </a:lnSpc>
+              <a:buFont typeface="Courier New" panose="02070309020205020404" pitchFamily="49" charset="0"/>
+              <a:buChar char="o"/>
+            </a:pPr>
+            <a:r>
+              <a:rPr lang="en-US" sz="1400" kern="100" dirty="0">
+                <a:effectLst/>
+                <a:latin typeface="Calibri" panose="020F0502020204030204" pitchFamily="34" charset="0"/>
+                <a:ea typeface="Aptos" panose="020B0004020202020204" pitchFamily="34" charset="0"/>
+                <a:cs typeface="Times New Roman" panose="02020603050405020304" pitchFamily="18" charset="0"/>
+              </a:rPr>
+              <a:t>Heat the coffee to a user-specified temperature via a heating plate controlled by a solid state relay.</a:t>
+            </a:r>
+            <a:endParaRPr lang="en-US" sz="1400" kern="100" dirty="0">
+              <a:effectLst/>
+              <a:latin typeface="Aptos" panose="020B0004020202020204" pitchFamily="34" charset="0"/>
+              <a:ea typeface="Aptos" panose="020B0004020202020204" pitchFamily="34" charset="0"/>
+              <a:cs typeface="Times New Roman" panose="02020603050405020304" pitchFamily="18" charset="0"/>
+            </a:endParaRPr>
+          </a:p>
+          <a:p>
+            <a:pPr marL="342900" marR="0" lvl="0" indent="-342900">
+              <a:lnSpc>
+                <a:spcPct val="107000"/>
+              </a:lnSpc>
+              <a:buFont typeface="Symbol" panose="05050102010706020507" pitchFamily="18" charset="2"/>
+              <a:buChar char=""/>
+            </a:pPr>
+            <a:r>
+              <a:rPr lang="en-US" sz="1400" kern="100" dirty="0">
+                <a:effectLst/>
+                <a:latin typeface="Calibri" panose="020F0502020204030204" pitchFamily="34" charset="0"/>
+                <a:ea typeface="Aptos" panose="020B0004020202020204" pitchFamily="34" charset="0"/>
+                <a:cs typeface="Times New Roman" panose="02020603050405020304" pitchFamily="18" charset="0"/>
+              </a:rPr>
+              <a:t>Key Features</a:t>
+            </a:r>
+            <a:endParaRPr lang="en-US" sz="1400" kern="100" dirty="0">
+              <a:effectLst/>
+              <a:latin typeface="Aptos" panose="020B0004020202020204" pitchFamily="34" charset="0"/>
+              <a:ea typeface="Aptos" panose="020B0004020202020204" pitchFamily="34" charset="0"/>
+              <a:cs typeface="Times New Roman" panose="02020603050405020304" pitchFamily="18" charset="0"/>
+            </a:endParaRPr>
+          </a:p>
+          <a:p>
+            <a:pPr marL="742950" marR="0" lvl="1" indent="-285750">
+              <a:lnSpc>
+                <a:spcPct val="107000"/>
+              </a:lnSpc>
+              <a:buFont typeface="Courier New" panose="02070309020205020404" pitchFamily="49" charset="0"/>
+              <a:buChar char="o"/>
+            </a:pPr>
+            <a:r>
+              <a:rPr lang="en-US" sz="1400" kern="100" dirty="0">
+                <a:effectLst/>
+                <a:latin typeface="Calibri" panose="020F0502020204030204" pitchFamily="34" charset="0"/>
+                <a:ea typeface="Aptos" panose="020B0004020202020204" pitchFamily="34" charset="0"/>
+                <a:cs typeface="Times New Roman" panose="02020603050405020304" pitchFamily="18" charset="0"/>
+              </a:rPr>
+              <a:t>User Configurability: Temperature can be set in increments of 10 by holding a push button or precise increments over UART.</a:t>
+            </a:r>
+            <a:endParaRPr lang="en-US" sz="1400" kern="100" dirty="0">
+              <a:effectLst/>
+              <a:latin typeface="Aptos" panose="020B0004020202020204" pitchFamily="34" charset="0"/>
+              <a:ea typeface="Aptos" panose="020B0004020202020204" pitchFamily="34" charset="0"/>
+              <a:cs typeface="Times New Roman" panose="02020603050405020304" pitchFamily="18" charset="0"/>
+            </a:endParaRPr>
+          </a:p>
+          <a:p>
+            <a:pPr marL="742950" marR="0" lvl="1" indent="-285750">
+              <a:lnSpc>
+                <a:spcPct val="107000"/>
+              </a:lnSpc>
+              <a:buFont typeface="Courier New" panose="02070309020205020404" pitchFamily="49" charset="0"/>
+              <a:buChar char="o"/>
+            </a:pPr>
+            <a:r>
+              <a:rPr lang="en-US" sz="1400" kern="100" dirty="0">
+                <a:effectLst/>
+                <a:latin typeface="Calibri" panose="020F0502020204030204" pitchFamily="34" charset="0"/>
+                <a:ea typeface="Aptos" panose="020B0004020202020204" pitchFamily="34" charset="0"/>
+                <a:cs typeface="Times New Roman" panose="02020603050405020304" pitchFamily="18" charset="0"/>
+              </a:rPr>
+              <a:t>Safety Mechanism: A thermistor-based temperature monitor ensures that the heating plate doesn’t exceed safe operating limits, triggering a safety shutdown if necessary.</a:t>
+            </a:r>
+            <a:endParaRPr lang="en-US" sz="1400" kern="100" dirty="0">
+              <a:effectLst/>
+              <a:latin typeface="Aptos" panose="020B0004020202020204" pitchFamily="34" charset="0"/>
+              <a:ea typeface="Aptos" panose="020B0004020202020204" pitchFamily="34" charset="0"/>
+              <a:cs typeface="Times New Roman" panose="02020603050405020304" pitchFamily="18" charset="0"/>
+            </a:endParaRPr>
+          </a:p>
+          <a:p>
+            <a:pPr marL="742950" marR="0" lvl="1" indent="-285750">
+              <a:lnSpc>
+                <a:spcPct val="107000"/>
+              </a:lnSpc>
+              <a:spcAft>
+                <a:spcPts val="800"/>
+              </a:spcAft>
+              <a:buFont typeface="Courier New" panose="02070309020205020404" pitchFamily="49" charset="0"/>
+              <a:buChar char="o"/>
+            </a:pPr>
+            <a:r>
+              <a:rPr lang="en-US" sz="1400" kern="100" dirty="0">
+                <a:effectLst/>
+                <a:latin typeface="Calibri" panose="020F0502020204030204" pitchFamily="34" charset="0"/>
+                <a:ea typeface="Aptos" panose="020B0004020202020204" pitchFamily="34" charset="0"/>
+                <a:cs typeface="Times New Roman" panose="02020603050405020304" pitchFamily="18" charset="0"/>
+              </a:rPr>
+              <a:t>Energy Efficiency: The heater only activates when coffee is detected and the temperature is below the desired threshold, minimizing power usage.</a:t>
+            </a:r>
+            <a:endParaRPr lang="en-US" sz="1400" kern="100" dirty="0">
+              <a:effectLst/>
+              <a:latin typeface="Aptos" panose="020B0004020202020204" pitchFamily="34" charset="0"/>
+              <a:ea typeface="Aptos" panose="020B0004020202020204" pitchFamily="34" charset="0"/>
+              <a:cs typeface="Times New Roman" panose="02020603050405020304" pitchFamily="18" charset="0"/>
+            </a:endParaRPr>
+          </a:p>
+        </p:txBody>
+      </p:sp>
+    </p:spTree>
+    <p:extLst>
+      <p:ext uri="{BB962C8B-B14F-4D97-AF65-F5344CB8AC3E}">
+        <p14:creationId xmlns:p14="http://schemas.microsoft.com/office/powerpoint/2010/main" val="3242939663"/>
+      </p:ext>
+    </p:extLst>
+  </p:cSld>
+  <p:clrMapOvr>
+    <a:masterClrMapping/>
+  </p:clrMapOvr>
+</p:sld>
+</file>
+
+<file path=ppt/slides/slide5.xml><?xml version="1.0" encoding="utf-8"?>
+<p:sld xmlns:a="http://schemas.openxmlformats.org/drawingml/2006/main" xmlns:r="http://schemas.openxmlformats.org/officeDocument/2006/relationships" xmlns:p="http://schemas.openxmlformats.org/presentationml/2006/main">
+  <p:cSld>
+    <p:spTree>
+      <p:nvGrpSpPr>
+        <p:cNvPr id="1" name="">
+          <a:extLst>
+            <a:ext uri="{FF2B5EF4-FFF2-40B4-BE49-F238E27FC236}">
               <a16:creationId xmlns:a16="http://schemas.microsoft.com/office/drawing/2014/main" id="{EADDF26D-BCB8-0022-1826-5D971D88F6A0}"/>
             </a:ext>
           </a:extLst>
@@ -5129,230 +5429,6 @@
 </p:sld>
 </file>
 
-<file path=ppt/slides/slide5.xml><?xml version="1.0" encoding="utf-8"?>
-<p:sld xmlns:a="http://schemas.openxmlformats.org/drawingml/2006/main" xmlns:r="http://schemas.openxmlformats.org/officeDocument/2006/relationships" xmlns:p="http://schemas.openxmlformats.org/presentationml/2006/main">
-  <p:cSld>
-    <p:spTree>
-      <p:nvGrpSpPr>
-        <p:cNvPr id="1" name=""/>
-        <p:cNvGrpSpPr/>
-        <p:nvPr/>
-      </p:nvGrpSpPr>
-      <p:grpSpPr>
-        <a:xfrm>
-          <a:off x="0" y="0"/>
-          <a:ext cx="0" cy="0"/>
-          <a:chOff x="0" y="0"/>
-          <a:chExt cx="0" cy="0"/>
-        </a:xfrm>
-      </p:grpSpPr>
-      <p:sp>
-        <p:nvSpPr>
-          <p:cNvPr id="2" name="Title 1">
-            <a:extLst>
-              <a:ext uri="{FF2B5EF4-FFF2-40B4-BE49-F238E27FC236}">
-                <a16:creationId xmlns:a16="http://schemas.microsoft.com/office/drawing/2014/main" id="{014DB2A8-5202-21D1-C9B4-F75A7D9616EA}"/>
-              </a:ext>
-            </a:extLst>
-          </p:cNvPr>
-          <p:cNvSpPr>
-            <a:spLocks noGrp="1"/>
-          </p:cNvSpPr>
-          <p:nvPr>
-            <p:ph type="title"/>
-          </p:nvPr>
-        </p:nvSpPr>
-        <p:spPr/>
-        <p:txBody>
-          <a:bodyPr/>
-          <a:lstStyle/>
-          <a:p>
-            <a:endParaRPr lang="en-US"/>
-          </a:p>
-        </p:txBody>
-      </p:sp>
-      <p:pic>
-        <p:nvPicPr>
-          <p:cNvPr id="7" name="Online Media 6" title="CSE 4342 Embedded 2: Brew Buddy Demo">
-            <a:hlinkClick r:id="" action="ppaction://media"/>
-            <a:extLst>
-              <a:ext uri="{FF2B5EF4-FFF2-40B4-BE49-F238E27FC236}">
-                <a16:creationId xmlns:a16="http://schemas.microsoft.com/office/drawing/2014/main" id="{5BCDB1C4-483B-4ED5-5636-37E4CBEA8EEE}"/>
-              </a:ext>
-            </a:extLst>
-          </p:cNvPr>
-          <p:cNvPicPr>
-            <a:picLocks noGrp="1" noRot="1" noChangeAspect="1"/>
-          </p:cNvPicPr>
-          <p:nvPr>
-            <p:ph type="chart" sz="quarter" idx="11"/>
-            <a:videoFile r:link="rId1"/>
-          </p:nvPr>
-        </p:nvPicPr>
-        <p:blipFill>
-          <a:blip r:embed="rId3"/>
-          <a:stretch>
-            <a:fillRect/>
-          </a:stretch>
-        </p:blipFill>
-        <p:spPr>
-          <a:xfrm>
-            <a:off x="525982" y="285750"/>
-            <a:ext cx="8092035" cy="4572000"/>
-          </a:xfrm>
-          <a:prstGeom prst="rect">
-            <a:avLst/>
-          </a:prstGeom>
-        </p:spPr>
-      </p:pic>
-    </p:spTree>
-    <p:extLst>
-      <p:ext uri="{BB962C8B-B14F-4D97-AF65-F5344CB8AC3E}">
-        <p14:creationId xmlns:p14="http://schemas.microsoft.com/office/powerpoint/2010/main" val="1142077764"/>
-      </p:ext>
-    </p:extLst>
-  </p:cSld>
-  <p:clrMapOvr>
-    <a:masterClrMapping/>
-  </p:clrMapOvr>
-  <p:timing>
-    <p:tnLst>
-      <p:par>
-        <p:cTn id="1" dur="indefinite" restart="never" nodeType="tmRoot">
-          <p:childTnLst>
-            <p:seq concurrent="1" nextAc="seek">
-              <p:cTn id="2" dur="indefinite" nodeType="mainSeq">
-                <p:childTnLst>
-                  <p:par>
-                    <p:cTn id="3" fill="hold">
-                      <p:stCondLst>
-                        <p:cond delay="indefinite"/>
-                      </p:stCondLst>
-                      <p:childTnLst>
-                        <p:par>
-                          <p:cTn id="4" fill="hold">
-                            <p:stCondLst>
-                              <p:cond delay="0"/>
-                            </p:stCondLst>
-                            <p:childTnLst>
-                              <p:par>
-                                <p:cTn id="5" presetID="1" presetClass="mediacall" presetSubtype="0" fill="hold" nodeType="clickEffect">
-                                  <p:stCondLst>
-                                    <p:cond delay="0"/>
-                                  </p:stCondLst>
-                                  <p:childTnLst>
-                                    <p:cmd type="call" cmd="playFrom(0.0)">
-                                      <p:cBhvr>
-                                        <p:cTn id="6" dur="1" fill="hold"/>
-                                        <p:tgtEl>
-                                          <p:spTgt spid="7"/>
-                                        </p:tgtEl>
-                                      </p:cBhvr>
-                                    </p:cmd>
-                                  </p:childTnLst>
-                                </p:cTn>
-                              </p:par>
-                            </p:childTnLst>
-                          </p:cTn>
-                        </p:par>
-                      </p:childTnLst>
-                    </p:cTn>
-                  </p:par>
-                </p:childTnLst>
-              </p:cTn>
-              <p:prevCondLst>
-                <p:cond evt="onPrev" delay="0">
-                  <p:tgtEl>
-                    <p:sldTgt/>
-                  </p:tgtEl>
-                </p:cond>
-              </p:prevCondLst>
-              <p:nextCondLst>
-                <p:cond evt="onNext" delay="0">
-                  <p:tgtEl>
-                    <p:sldTgt/>
-                  </p:tgtEl>
-                </p:cond>
-              </p:nextCondLst>
-            </p:seq>
-            <p:seq concurrent="1" nextAc="seek">
-              <p:cTn id="7" restart="whenNotActive" fill="hold" evtFilter="cancelBubble" nodeType="interactiveSeq">
-                <p:stCondLst>
-                  <p:cond evt="onClick" delay="0">
-                    <p:tgtEl>
-                      <p:spTgt spid="7"/>
-                    </p:tgtEl>
-                  </p:cond>
-                </p:stCondLst>
-                <p:endSync evt="end" delay="0">
-                  <p:rtn val="all"/>
-                </p:endSync>
-                <p:childTnLst>
-                  <p:par>
-                    <p:cTn id="8" fill="hold">
-                      <p:stCondLst>
-                        <p:cond delay="0"/>
-                      </p:stCondLst>
-                      <p:childTnLst>
-                        <p:par>
-                          <p:cTn id="9" fill="hold">
-                            <p:stCondLst>
-                              <p:cond delay="0"/>
-                            </p:stCondLst>
-                            <p:childTnLst>
-                              <p:par>
-                                <p:cTn id="10" presetID="2" presetClass="mediacall" presetSubtype="0" fill="hold" nodeType="clickEffect">
-                                  <p:stCondLst>
-                                    <p:cond delay="0"/>
-                                  </p:stCondLst>
-                                  <p:childTnLst>
-                                    <p:cmd type="call" cmd="togglePause">
-                                      <p:cBhvr>
-                                        <p:cTn id="11" dur="1" fill="hold"/>
-                                        <p:tgtEl>
-                                          <p:spTgt spid="7"/>
-                                        </p:tgtEl>
-                                      </p:cBhvr>
-                                    </p:cmd>
-                                  </p:childTnLst>
-                                </p:cTn>
-                              </p:par>
-                            </p:childTnLst>
-                          </p:cTn>
-                        </p:par>
-                      </p:childTnLst>
-                    </p:cTn>
-                  </p:par>
-                </p:childTnLst>
-              </p:cTn>
-              <p:nextCondLst>
-                <p:cond evt="onClick" delay="0">
-                  <p:tgtEl>
-                    <p:spTgt spid="7"/>
-                  </p:tgtEl>
-                </p:cond>
-              </p:nextCondLst>
-            </p:seq>
-            <p:video>
-              <p:cMediaNode vol="80000">
-                <p:cTn id="12" fill="hold" display="0">
-                  <p:stCondLst>
-                    <p:cond delay="indefinite"/>
-                  </p:stCondLst>
-                </p:cTn>
-                <p:tgtEl>
-                  <p:spTgt spid="7"/>
-                </p:tgtEl>
-              </p:cMediaNode>
-            </p:video>
-          </p:childTnLst>
-        </p:cTn>
-      </p:par>
-    </p:tnLst>
-  </p:timing>
-</p:sld>
-</file>
-
 <file path=ppt/slides/slide6.xml><?xml version="1.0" encoding="utf-8"?>
 <p:sld xmlns:a="http://schemas.openxmlformats.org/drawingml/2006/main" xmlns:r="http://schemas.openxmlformats.org/officeDocument/2006/relationships" xmlns:p="http://schemas.openxmlformats.org/presentationml/2006/main">
   <p:cSld>
@@ -5361,7 +5437,7 @@
         <p:cNvPr id="1" name="">
           <a:extLst>
             <a:ext uri="{FF2B5EF4-FFF2-40B4-BE49-F238E27FC236}">
-              <a16:creationId xmlns:a16="http://schemas.microsoft.com/office/drawing/2014/main" id="{7B8A766E-2AE5-1F97-3873-2171383E9239}"/>
+              <a16:creationId xmlns:a16="http://schemas.microsoft.com/office/drawing/2014/main" id="{59448473-9720-B828-AB15-26C283D13788}"/>
             </a:ext>
           </a:extLst>
         </p:cNvPr>
@@ -5381,7 +5457,7 @@
           <p:cNvPr id="2" name="Title 1">
             <a:extLst>
               <a:ext uri="{FF2B5EF4-FFF2-40B4-BE49-F238E27FC236}">
-                <a16:creationId xmlns:a16="http://schemas.microsoft.com/office/drawing/2014/main" id="{6662C2B4-3C44-A30E-A744-3C994F24975D}"/>
+                <a16:creationId xmlns:a16="http://schemas.microsoft.com/office/drawing/2014/main" id="{02916F41-2896-2C71-BAD8-8BCEC8001EA8}"/>
               </a:ext>
             </a:extLst>
           </p:cNvPr>
@@ -5392,29 +5468,170 @@
             <p:ph type="title"/>
           </p:nvPr>
         </p:nvSpPr>
-        <p:spPr>
-          <a:xfrm>
-            <a:off x="457200" y="2143125"/>
-            <a:ext cx="8229600" cy="857250"/>
-          </a:xfrm>
-        </p:spPr>
+        <p:spPr/>
+        <p:txBody>
+          <a:bodyPr/>
+          <a:lstStyle/>
+          <a:p>
+            <a:r>
+              <a:rPr lang="en-US" dirty="0"/>
+              <a:t>Implementation</a:t>
+            </a:r>
+          </a:p>
+        </p:txBody>
+      </p:sp>
+      <p:sp>
+        <p:nvSpPr>
+          <p:cNvPr id="3" name="Content Placeholder 2">
+            <a:extLst>
+              <a:ext uri="{FF2B5EF4-FFF2-40B4-BE49-F238E27FC236}">
+                <a16:creationId xmlns:a16="http://schemas.microsoft.com/office/drawing/2014/main" id="{DBF8108E-31D7-08BD-D588-7A752AC40875}"/>
+              </a:ext>
+            </a:extLst>
+          </p:cNvPr>
+          <p:cNvSpPr>
+            <a:spLocks noGrp="1"/>
+          </p:cNvSpPr>
+          <p:nvPr>
+            <p:ph sz="quarter" idx="10"/>
+          </p:nvPr>
+        </p:nvSpPr>
+        <p:spPr/>
+        <p:txBody>
+          <a:bodyPr/>
+          <a:lstStyle/>
+          <a:p>
+            <a:endParaRPr lang="en-US" dirty="0"/>
+          </a:p>
+        </p:txBody>
+      </p:sp>
+      <p:sp>
+        <p:nvSpPr>
+          <p:cNvPr id="5" name="Content Placeholder 4">
+            <a:extLst>
+              <a:ext uri="{FF2B5EF4-FFF2-40B4-BE49-F238E27FC236}">
+                <a16:creationId xmlns:a16="http://schemas.microsoft.com/office/drawing/2014/main" id="{0CE3FDFF-37CB-DFAB-EE9E-B08E12A2B98E}"/>
+              </a:ext>
+            </a:extLst>
+          </p:cNvPr>
+          <p:cNvSpPr>
+            <a:spLocks noGrp="1"/>
+          </p:cNvSpPr>
+          <p:nvPr>
+            <p:ph sz="half" idx="1"/>
+          </p:nvPr>
+        </p:nvSpPr>
+        <p:spPr/>
         <p:txBody>
           <a:bodyPr>
-            <a:normAutofit/>
+            <a:normAutofit fontScale="92500" lnSpcReduction="20000"/>
           </a:bodyPr>
           <a:lstStyle/>
           <a:p>
-            <a:r>
-              <a:rPr lang="en-US" sz="4000" dirty="0"/>
-              <a:t>Questions?</a:t>
-            </a:r>
+            <a:pPr marL="342900" marR="0" lvl="0" indent="-342900">
+              <a:lnSpc>
+                <a:spcPct val="107000"/>
+              </a:lnSpc>
+              <a:buFont typeface="Symbol" panose="05050102010706020507" pitchFamily="18" charset="2"/>
+              <a:buChar char=""/>
+            </a:pPr>
+            <a:r>
+              <a:rPr lang="en-US" sz="1800" kern="100" dirty="0">
+                <a:effectLst/>
+                <a:latin typeface="Calibri" panose="020F0502020204030204" pitchFamily="34" charset="0"/>
+                <a:ea typeface="Aptos" panose="020B0004020202020204" pitchFamily="34" charset="0"/>
+                <a:cs typeface="Times New Roman" panose="02020603050405020304" pitchFamily="18" charset="0"/>
+              </a:rPr>
+              <a:t>Temperature Monitoring Subsystem: An infrared thermometer measures the coffee’s surface temperature and communicates readings to the microcontroller via the I2C interface. A 100K thermistor, integrated into a voltage divider circuit, monitors the heating plate’s temperature for safety.</a:t>
+            </a:r>
+            <a:endParaRPr lang="en-US" sz="1800" kern="100" dirty="0">
+              <a:effectLst/>
+              <a:latin typeface="Aptos" panose="020B0004020202020204" pitchFamily="34" charset="0"/>
+              <a:ea typeface="Aptos" panose="020B0004020202020204" pitchFamily="34" charset="0"/>
+              <a:cs typeface="Times New Roman" panose="02020603050405020304" pitchFamily="18" charset="0"/>
+            </a:endParaRPr>
+          </a:p>
+          <a:p>
+            <a:pPr marL="342900" marR="0" lvl="0" indent="-342900">
+              <a:lnSpc>
+                <a:spcPct val="107000"/>
+              </a:lnSpc>
+              <a:buFont typeface="Symbol" panose="05050102010706020507" pitchFamily="18" charset="2"/>
+              <a:buChar char=""/>
+            </a:pPr>
+            <a:r>
+              <a:rPr lang="en-US" sz="1800" kern="100" dirty="0">
+                <a:effectLst/>
+                <a:latin typeface="Calibri" panose="020F0502020204030204" pitchFamily="34" charset="0"/>
+                <a:ea typeface="Aptos" panose="020B0004020202020204" pitchFamily="34" charset="0"/>
+                <a:cs typeface="Times New Roman" panose="02020603050405020304" pitchFamily="18" charset="0"/>
+              </a:rPr>
+              <a:t>Heating Subsystem: A solid-state relay (SSR) connects the microcontroller to the 120V AC heating plate. The SSR ensures safe and efficient switching of high voltage, controlled via GPIO signals.</a:t>
+            </a:r>
+            <a:endParaRPr lang="en-US" sz="1800" kern="100" dirty="0">
+              <a:effectLst/>
+              <a:latin typeface="Aptos" panose="020B0004020202020204" pitchFamily="34" charset="0"/>
+              <a:ea typeface="Aptos" panose="020B0004020202020204" pitchFamily="34" charset="0"/>
+              <a:cs typeface="Times New Roman" panose="02020603050405020304" pitchFamily="18" charset="0"/>
+            </a:endParaRPr>
+          </a:p>
+          <a:p>
+            <a:pPr marL="342900" marR="0" lvl="0" indent="-342900">
+              <a:lnSpc>
+                <a:spcPct val="107000"/>
+              </a:lnSpc>
+              <a:buFont typeface="Symbol" panose="05050102010706020507" pitchFamily="18" charset="2"/>
+              <a:buChar char=""/>
+            </a:pPr>
+            <a:r>
+              <a:rPr lang="en-US" sz="1800" kern="100" dirty="0">
+                <a:effectLst/>
+                <a:latin typeface="Calibri" panose="020F0502020204030204" pitchFamily="34" charset="0"/>
+                <a:ea typeface="Aptos" panose="020B0004020202020204" pitchFamily="34" charset="0"/>
+                <a:cs typeface="Times New Roman" panose="02020603050405020304" pitchFamily="18" charset="0"/>
+              </a:rPr>
+              <a:t>User Interface Subsystem: An I2C-connected LCD displays real-time temperature readings and system status. A GPIO button allows users to configure desired temperature settings.</a:t>
+            </a:r>
+            <a:endParaRPr lang="en-US" sz="1800" kern="100" dirty="0">
+              <a:effectLst/>
+              <a:latin typeface="Aptos" panose="020B0004020202020204" pitchFamily="34" charset="0"/>
+              <a:ea typeface="Aptos" panose="020B0004020202020204" pitchFamily="34" charset="0"/>
+              <a:cs typeface="Times New Roman" panose="02020603050405020304" pitchFamily="18" charset="0"/>
+            </a:endParaRPr>
+          </a:p>
+          <a:p>
+            <a:pPr marL="342900" marR="0" lvl="0" indent="-342900">
+              <a:lnSpc>
+                <a:spcPct val="107000"/>
+              </a:lnSpc>
+              <a:spcAft>
+                <a:spcPts val="800"/>
+              </a:spcAft>
+              <a:buFont typeface="Symbol" panose="05050102010706020507" pitchFamily="18" charset="2"/>
+              <a:buChar char=""/>
+            </a:pPr>
+            <a:r>
+              <a:rPr lang="en-US" sz="1800" kern="100" dirty="0">
+                <a:effectLst/>
+                <a:latin typeface="Calibri" panose="020F0502020204030204" pitchFamily="34" charset="0"/>
+                <a:ea typeface="Aptos" panose="020B0004020202020204" pitchFamily="34" charset="0"/>
+                <a:cs typeface="Times New Roman" panose="02020603050405020304" pitchFamily="18" charset="0"/>
+              </a:rPr>
+              <a:t>Power Supply Subsystem: A 120V to 5V DC buck converter powers the microcontroller and peripherals. This ensures stable operation across all components.</a:t>
+            </a:r>
+            <a:endParaRPr lang="en-US" sz="1800" kern="100" dirty="0">
+              <a:effectLst/>
+              <a:latin typeface="Aptos" panose="020B0004020202020204" pitchFamily="34" charset="0"/>
+              <a:ea typeface="Aptos" panose="020B0004020202020204" pitchFamily="34" charset="0"/>
+              <a:cs typeface="Times New Roman" panose="02020603050405020304" pitchFamily="18" charset="0"/>
+            </a:endParaRPr>
           </a:p>
         </p:txBody>
       </p:sp>
     </p:spTree>
     <p:extLst>
       <p:ext uri="{BB962C8B-B14F-4D97-AF65-F5344CB8AC3E}">
-        <p14:creationId xmlns:p14="http://schemas.microsoft.com/office/powerpoint/2010/main" val="4190756243"/>
+        <p14:creationId xmlns:p14="http://schemas.microsoft.com/office/powerpoint/2010/main" val="4286616608"/>
       </p:ext>
     </p:extLst>
   </p:cSld>
@@ -5429,7 +5646,13 @@
   <p:cSld>
     <p:spTree>
       <p:nvGrpSpPr>
-        <p:cNvPr id="1" name=""/>
+        <p:cNvPr id="1" name="">
+          <a:extLst>
+            <a:ext uri="{FF2B5EF4-FFF2-40B4-BE49-F238E27FC236}">
+              <a16:creationId xmlns:a16="http://schemas.microsoft.com/office/drawing/2014/main" id="{E48D3568-FDF2-A8F4-BA3A-22F146D0B56E}"/>
+            </a:ext>
+          </a:extLst>
+        </p:cNvPr>
         <p:cNvGrpSpPr/>
         <p:nvPr/>
       </p:nvGrpSpPr>
@@ -5446,7 +5669,7 @@
           <p:cNvPr id="2" name="Title 1">
             <a:extLst>
               <a:ext uri="{FF2B5EF4-FFF2-40B4-BE49-F238E27FC236}">
-                <a16:creationId xmlns:a16="http://schemas.microsoft.com/office/drawing/2014/main" id="{4D27F57B-813B-AD08-213E-F61F5B9A6512}"/>
+                <a16:creationId xmlns:a16="http://schemas.microsoft.com/office/drawing/2014/main" id="{CFA62215-AD6C-E1C9-AC36-0D52523E8517}"/>
               </a:ext>
             </a:extLst>
           </p:cNvPr>
@@ -5468,10 +5691,10 @@
       </p:sp>
       <p:pic>
         <p:nvPicPr>
-          <p:cNvPr id="9" name="Picture 8">
-            <a:extLst>
-              <a:ext uri="{FF2B5EF4-FFF2-40B4-BE49-F238E27FC236}">
-                <a16:creationId xmlns:a16="http://schemas.microsoft.com/office/drawing/2014/main" id="{3FA03ABD-48A3-45B1-2D11-0B7578869045}"/>
+          <p:cNvPr id="5" name="Picture 4" descr="A diagram of a computer&#10;&#10;Description automatically generated">
+            <a:extLst>
+              <a:ext uri="{FF2B5EF4-FFF2-40B4-BE49-F238E27FC236}">
+                <a16:creationId xmlns:a16="http://schemas.microsoft.com/office/drawing/2014/main" id="{6F317BD7-9D47-2D1C-D2F0-6EF6FE4C0486}"/>
               </a:ext>
             </a:extLst>
           </p:cNvPr>
@@ -5488,8 +5711,8 @@
         </p:blipFill>
         <p:spPr>
           <a:xfrm>
-            <a:off x="0" y="9249"/>
-            <a:ext cx="9144000" cy="5125002"/>
+            <a:off x="613179" y="134752"/>
+            <a:ext cx="7917641" cy="4873995"/>
           </a:xfrm>
           <a:prstGeom prst="rect">
             <a:avLst/>
@@ -5499,7 +5722,7 @@
     </p:spTree>
     <p:extLst>
       <p:ext uri="{BB962C8B-B14F-4D97-AF65-F5344CB8AC3E}">
-        <p14:creationId xmlns:p14="http://schemas.microsoft.com/office/powerpoint/2010/main" val="3331480680"/>
+        <p14:creationId xmlns:p14="http://schemas.microsoft.com/office/powerpoint/2010/main" val="156783487"/>
       </p:ext>
     </p:extLst>
   </p:cSld>
@@ -5607,7 +5830,7 @@
         <p:cNvPr id="1" name="">
           <a:extLst>
             <a:ext uri="{FF2B5EF4-FFF2-40B4-BE49-F238E27FC236}">
-              <a16:creationId xmlns:a16="http://schemas.microsoft.com/office/drawing/2014/main" id="{C0835D3E-F439-B33B-81A4-B9499C0A816D}"/>
+              <a16:creationId xmlns:a16="http://schemas.microsoft.com/office/drawing/2014/main" id="{11AF12DA-EC48-9317-4BDB-C958E314E5E3}"/>
             </a:ext>
           </a:extLst>
         </p:cNvPr>
@@ -5627,7 +5850,7 @@
           <p:cNvPr id="2" name="Title 1">
             <a:extLst>
               <a:ext uri="{FF2B5EF4-FFF2-40B4-BE49-F238E27FC236}">
-                <a16:creationId xmlns:a16="http://schemas.microsoft.com/office/drawing/2014/main" id="{948F1D1C-845A-575F-B8E7-13122D3BDE5C}"/>
+                <a16:creationId xmlns:a16="http://schemas.microsoft.com/office/drawing/2014/main" id="{098A5E99-D6C3-2CEA-684D-81B5E8EC7955}"/>
               </a:ext>
             </a:extLst>
           </p:cNvPr>
@@ -5649,10 +5872,10 @@
       </p:sp>
       <p:pic>
         <p:nvPicPr>
-          <p:cNvPr id="6" name="Picture 5" descr="A diagram of a flowchart&#10;&#10;Description automatically generated">
-            <a:extLst>
-              <a:ext uri="{FF2B5EF4-FFF2-40B4-BE49-F238E27FC236}">
-                <a16:creationId xmlns:a16="http://schemas.microsoft.com/office/drawing/2014/main" id="{CFB4E4CC-98D2-3554-DE1B-F64BFD14BBA7}"/>
+          <p:cNvPr id="4" name="Picture 3" descr="A close-up of a white sheet&#10;&#10;Description automatically generated">
+            <a:extLst>
+              <a:ext uri="{FF2B5EF4-FFF2-40B4-BE49-F238E27FC236}">
+                <a16:creationId xmlns:a16="http://schemas.microsoft.com/office/drawing/2014/main" id="{117B996F-E224-31FA-600D-14321176E934}"/>
               </a:ext>
             </a:extLst>
           </p:cNvPr>
@@ -5669,8 +5892,8 @@
         </p:blipFill>
         <p:spPr>
           <a:xfrm>
-            <a:off x="1327245" y="21591"/>
-            <a:ext cx="6489510" cy="5100318"/>
+            <a:off x="484495" y="203791"/>
+            <a:ext cx="8175009" cy="4735917"/>
           </a:xfrm>
           <a:prstGeom prst="rect">
             <a:avLst/>
@@ -5680,7 +5903,7 @@
     </p:spTree>
     <p:extLst>
       <p:ext uri="{BB962C8B-B14F-4D97-AF65-F5344CB8AC3E}">
-        <p14:creationId xmlns:p14="http://schemas.microsoft.com/office/powerpoint/2010/main" val="2280128947"/>
+        <p14:creationId xmlns:p14="http://schemas.microsoft.com/office/powerpoint/2010/main" val="1582252117"/>
       </p:ext>
     </p:extLst>
   </p:cSld>
@@ -6604,6 +6827,15 @@
 </file>
 
 <file path=customXml/item1.xml><?xml version="1.0" encoding="utf-8"?>
+<?mso-contentType ?>
+<FormTemplates xmlns="http://schemas.microsoft.com/sharepoint/v3/contenttype/forms">
+  <Display>DocumentLibraryForm</Display>
+  <Edit>DocumentLibraryForm</Edit>
+  <New>DocumentLibraryForm</New>
+</FormTemplates>
+</file>
+
+<file path=customXml/item2.xml><?xml version="1.0" encoding="utf-8"?>
 <ct:contentTypeSchema xmlns:ct="http://schemas.microsoft.com/office/2006/metadata/contentType" xmlns:ma="http://schemas.microsoft.com/office/2006/metadata/properties/metaAttributes" ct:_="" ma:_="" ma:contentTypeName="Document" ma:contentTypeID="0x0101006AE8C2F9B7856C4FB1B45376C9CA1279" ma:contentTypeVersion="12" ma:contentTypeDescription="Create a new document." ma:contentTypeScope="" ma:versionID="47b510a268ab94799d39988294a018bf">
   <xsd:schema xmlns:xsd="http://www.w3.org/2001/XMLSchema" xmlns:xs="http://www.w3.org/2001/XMLSchema" xmlns:p="http://schemas.microsoft.com/office/2006/metadata/properties" xmlns:ns2="56169281-d10e-4687-8d86-e0ae9795bb4c" xmlns:ns3="d98033a5-711e-4d41-9a92-34dc22feb152" targetNamespace="http://schemas.microsoft.com/office/2006/metadata/properties" ma:root="true" ma:fieldsID="430f78a0ddeb4ad93cb2cb32c7d65c5c" ns2:_="" ns3:_="">
     <xsd:import namespace="56169281-d10e-4687-8d86-e0ae9795bb4c"/>
@@ -6820,15 +7052,6 @@
 </ct:contentTypeSchema>
 </file>
 
-<file path=customXml/item2.xml><?xml version="1.0" encoding="utf-8"?>
-<?mso-contentType ?>
-<FormTemplates xmlns="http://schemas.microsoft.com/sharepoint/v3/contenttype/forms">
-  <Display>DocumentLibraryForm</Display>
-  <Edit>DocumentLibraryForm</Edit>
-  <New>DocumentLibraryForm</New>
-</FormTemplates>
-</file>
-
 <file path=customXml/item3.xml><?xml version="1.0" encoding="utf-8"?>
 <p:properties xmlns:p="http://schemas.microsoft.com/office/2006/metadata/properties" xmlns:xsi="http://www.w3.org/2001/XMLSchema-instance" xmlns:pc="http://schemas.microsoft.com/office/infopath/2007/PartnerControls">
   <documentManagement/>
@@ -6836,6 +7059,14 @@
 </file>
 
 <file path=customXml/itemProps1.xml><?xml version="1.0" encoding="utf-8"?>
+<ds:datastoreItem xmlns:ds="http://schemas.openxmlformats.org/officeDocument/2006/customXml" ds:itemID="{6987676A-099B-4B53-B66D-C60F83A71424}">
+  <ds:schemaRefs>
+    <ds:schemaRef ds:uri="http://schemas.microsoft.com/sharepoint/v3/contenttype/forms"/>
+  </ds:schemaRefs>
+</ds:datastoreItem>
+</file>
+
+<file path=customXml/itemProps2.xml><?xml version="1.0" encoding="utf-8"?>
 <ds:datastoreItem xmlns:ds="http://schemas.openxmlformats.org/officeDocument/2006/customXml" ds:itemID="{DAF4F739-B76C-4907-A1E7-133652B3E27E}">
   <ds:schemaRefs>
     <ds:schemaRef ds:uri="http://schemas.microsoft.com/office/2006/metadata/contentType"/>
@@ -6850,14 +7081,6 @@
     <ds:schemaRef ds:uri="http://purl.org/dc/elements/1.1/"/>
     <ds:schemaRef ds:uri="http://purl.org/dc/terms/"/>
     <ds:schemaRef ds:uri="http://schemas.microsoft.com/internal/obd"/>
-  </ds:schemaRefs>
-</ds:datastoreItem>
-</file>
-
-<file path=customXml/itemProps2.xml><?xml version="1.0" encoding="utf-8"?>
-<ds:datastoreItem xmlns:ds="http://schemas.openxmlformats.org/officeDocument/2006/customXml" ds:itemID="{6987676A-099B-4B53-B66D-C60F83A71424}">
-  <ds:schemaRefs>
-    <ds:schemaRef ds:uri="http://schemas.microsoft.com/sharepoint/v3/contenttype/forms"/>
   </ds:schemaRefs>
 </ds:datastoreItem>
 </file>

--- a/presentation/report.pptx
+++ b/presentation/report.pptx
@@ -6827,15 +6827,6 @@
 </file>
 
 <file path=customXml/item1.xml><?xml version="1.0" encoding="utf-8"?>
-<?mso-contentType ?>
-<FormTemplates xmlns="http://schemas.microsoft.com/sharepoint/v3/contenttype/forms">
-  <Display>DocumentLibraryForm</Display>
-  <Edit>DocumentLibraryForm</Edit>
-  <New>DocumentLibraryForm</New>
-</FormTemplates>
-</file>
-
-<file path=customXml/item2.xml><?xml version="1.0" encoding="utf-8"?>
 <ct:contentTypeSchema xmlns:ct="http://schemas.microsoft.com/office/2006/metadata/contentType" xmlns:ma="http://schemas.microsoft.com/office/2006/metadata/properties/metaAttributes" ct:_="" ma:_="" ma:contentTypeName="Document" ma:contentTypeID="0x0101006AE8C2F9B7856C4FB1B45376C9CA1279" ma:contentTypeVersion="12" ma:contentTypeDescription="Create a new document." ma:contentTypeScope="" ma:versionID="47b510a268ab94799d39988294a018bf">
   <xsd:schema xmlns:xsd="http://www.w3.org/2001/XMLSchema" xmlns:xs="http://www.w3.org/2001/XMLSchema" xmlns:p="http://schemas.microsoft.com/office/2006/metadata/properties" xmlns:ns2="56169281-d10e-4687-8d86-e0ae9795bb4c" xmlns:ns3="d98033a5-711e-4d41-9a92-34dc22feb152" targetNamespace="http://schemas.microsoft.com/office/2006/metadata/properties" ma:root="true" ma:fieldsID="430f78a0ddeb4ad93cb2cb32c7d65c5c" ns2:_="" ns3:_="">
     <xsd:import namespace="56169281-d10e-4687-8d86-e0ae9795bb4c"/>
@@ -7052,6 +7043,15 @@
 </ct:contentTypeSchema>
 </file>
 
+<file path=customXml/item2.xml><?xml version="1.0" encoding="utf-8"?>
+<?mso-contentType ?>
+<FormTemplates xmlns="http://schemas.microsoft.com/sharepoint/v3/contenttype/forms">
+  <Display>DocumentLibraryForm</Display>
+  <Edit>DocumentLibraryForm</Edit>
+  <New>DocumentLibraryForm</New>
+</FormTemplates>
+</file>
+
 <file path=customXml/item3.xml><?xml version="1.0" encoding="utf-8"?>
 <p:properties xmlns:p="http://schemas.microsoft.com/office/2006/metadata/properties" xmlns:xsi="http://www.w3.org/2001/XMLSchema-instance" xmlns:pc="http://schemas.microsoft.com/office/infopath/2007/PartnerControls">
   <documentManagement/>
@@ -7059,14 +7059,6 @@
 </file>
 
 <file path=customXml/itemProps1.xml><?xml version="1.0" encoding="utf-8"?>
-<ds:datastoreItem xmlns:ds="http://schemas.openxmlformats.org/officeDocument/2006/customXml" ds:itemID="{6987676A-099B-4B53-B66D-C60F83A71424}">
-  <ds:schemaRefs>
-    <ds:schemaRef ds:uri="http://schemas.microsoft.com/sharepoint/v3/contenttype/forms"/>
-  </ds:schemaRefs>
-</ds:datastoreItem>
-</file>
-
-<file path=customXml/itemProps2.xml><?xml version="1.0" encoding="utf-8"?>
 <ds:datastoreItem xmlns:ds="http://schemas.openxmlformats.org/officeDocument/2006/customXml" ds:itemID="{DAF4F739-B76C-4907-A1E7-133652B3E27E}">
   <ds:schemaRefs>
     <ds:schemaRef ds:uri="http://schemas.microsoft.com/office/2006/metadata/contentType"/>
@@ -7081,6 +7073,14 @@
     <ds:schemaRef ds:uri="http://purl.org/dc/elements/1.1/"/>
     <ds:schemaRef ds:uri="http://purl.org/dc/terms/"/>
     <ds:schemaRef ds:uri="http://schemas.microsoft.com/internal/obd"/>
+  </ds:schemaRefs>
+</ds:datastoreItem>
+</file>
+
+<file path=customXml/itemProps2.xml><?xml version="1.0" encoding="utf-8"?>
+<ds:datastoreItem xmlns:ds="http://schemas.openxmlformats.org/officeDocument/2006/customXml" ds:itemID="{6987676A-099B-4B53-B66D-C60F83A71424}">
+  <ds:schemaRefs>
+    <ds:schemaRef ds:uri="http://schemas.microsoft.com/sharepoint/v3/contenttype/forms"/>
   </ds:schemaRefs>
 </ds:datastoreItem>
 </file>
